--- a/Esercizio 2.pptx
+++ b/Esercizio 2.pptx
@@ -105,6 +105,11 @@
       </a:defRPr>
     </a:lvl9pPr>
   </p:defaultTextStyle>
+  <p:extLst>
+    <p:ext uri="{EFAFB233-063F-42B5-8137-9DF3F51BA10A}">
+      <p15:sldGuideLst xmlns:p15="http://schemas.microsoft.com/office/powerpoint/2012/main"/>
+    </p:ext>
+  </p:extLst>
 </p:presentation>
 </file>
 
@@ -10100,7 +10105,7 @@
         <p:spPr>
           <a:xfrm>
             <a:off x="6812672" y="593031"/>
-            <a:ext cx="2343150" cy="2308324"/>
+            <a:ext cx="2343150" cy="3785652"/>
           </a:xfrm>
           <a:prstGeom prst="rect">
             <a:avLst/>
@@ -10124,6 +10129,15 @@
             <a:r>
               <a:rPr lang="it-IT" sz="1600" dirty="0"/>
               <a:t> per spiegare ed esporre le info in modo chiaro ed efficiente. Modella i dati in base agli obiettivi, li filtra e crea report per spiegare in modo chiaro quello che emerge dalle analisi.</a:t>
+            </a:r>
+          </a:p>
+          <a:p>
+            <a:endParaRPr lang="it-IT" sz="1600" dirty="0"/>
+          </a:p>
+          <a:p>
+            <a:r>
+              <a:rPr lang="it-IT" sz="1600" dirty="0"/>
+              <a:t>Il data scientist elabora modelli predittivi. Cerca di capire trend, nuove opportunità di mercato e previsioni future. </a:t>
             </a:r>
           </a:p>
         </p:txBody>
@@ -10315,7 +10329,46 @@
         </p:blipFill>
         <p:spPr>
           <a:xfrm>
-            <a:off x="9839792" y="1828647"/>
+            <a:off x="9839792" y="1846007"/>
+            <a:ext cx="914400" cy="914400"/>
+          </a:xfrm>
+          <a:prstGeom prst="rect">
+            <a:avLst/>
+          </a:prstGeom>
+        </p:spPr>
+      </p:pic>
+      <p:pic>
+        <p:nvPicPr>
+          <p:cNvPr id="3" name="Elemento grafico 2" descr="Tendenza al rialzo con riempimento a tinta unita">
+            <a:extLst>
+              <a:ext uri="{FF2B5EF4-FFF2-40B4-BE49-F238E27FC236}">
+                <a16:creationId xmlns:a16="http://schemas.microsoft.com/office/drawing/2014/main" id="{8C61A01D-D290-C264-A024-C3E47AA8F499}"/>
+              </a:ext>
+            </a:extLst>
+          </p:cNvPr>
+          <p:cNvPicPr>
+            <a:picLocks noChangeAspect="1"/>
+          </p:cNvPicPr>
+          <p:nvPr/>
+        </p:nvPicPr>
+        <p:blipFill>
+          <a:blip r:embed="rId12">
+            <a:extLst>
+              <a:ext uri="{28A0092B-C50C-407E-A947-70E740481C1C}">
+                <a14:useLocalDpi xmlns:a14="http://schemas.microsoft.com/office/drawing/2010/main" val="0"/>
+              </a:ext>
+              <a:ext uri="{96DAC541-7B7A-43D3-8B79-37D633B846F1}">
+                <asvg:svgBlip xmlns:asvg="http://schemas.microsoft.com/office/drawing/2016/SVG/main" r:embed="rId13"/>
+              </a:ext>
+            </a:extLst>
+          </a:blip>
+          <a:stretch>
+            <a:fillRect/>
+          </a:stretch>
+        </p:blipFill>
+        <p:spPr>
+          <a:xfrm>
+            <a:off x="9839792" y="3183194"/>
             <a:ext cx="914400" cy="914400"/>
           </a:xfrm>
           <a:prstGeom prst="rect">
